--- a/Presentation.pptx
+++ b/Presentation.pptx
@@ -2,10 +2,17 @@
 <file path=ppt/presentation.xml><?xml version="1.0" encoding="utf-8"?>
 <p:presentation xmlns:a="http://schemas.openxmlformats.org/drawingml/2006/main" xmlns:r="http://schemas.openxmlformats.org/officeDocument/2006/relationships" xmlns:p="http://schemas.openxmlformats.org/presentationml/2006/main" saveSubsetFonts="1" autoCompressPictures="0">
   <p:sldMasterIdLst>
-    <p:sldMasterId id="2147483648" r:id="rId1"/>
+    <p:sldMasterId id="2147483690" r:id="rId1"/>
   </p:sldMasterIdLst>
   <p:sldIdLst>
     <p:sldId id="256" r:id="rId2"/>
+    <p:sldId id="257" r:id="rId3"/>
+    <p:sldId id="258" r:id="rId4"/>
+    <p:sldId id="259" r:id="rId5"/>
+    <p:sldId id="260" r:id="rId6"/>
+    <p:sldId id="261" r:id="rId7"/>
+    <p:sldId id="262" r:id="rId8"/>
+    <p:sldId id="263" r:id="rId9"/>
   </p:sldIdLst>
   <p:sldSz cx="9144000" cy="6858000" type="screen4x3"/>
   <p:notesSz cx="6858000" cy="9144000"/>
@@ -339,7 +346,7 @@
     </p:spTree>
     <p:extLst>
       <p:ext uri="{BB962C8B-B14F-4D97-AF65-F5344CB8AC3E}">
-        <p14:creationId xmlns:p14="http://schemas.microsoft.com/office/powerpoint/2010/main" val="2705007714"/>
+        <p14:creationId xmlns:p14="http://schemas.microsoft.com/office/powerpoint/2010/main" val="556976772"/>
       </p:ext>
     </p:extLst>
   </p:cSld>
@@ -509,7 +516,7 @@
     </p:spTree>
     <p:extLst>
       <p:ext uri="{BB962C8B-B14F-4D97-AF65-F5344CB8AC3E}">
-        <p14:creationId xmlns:p14="http://schemas.microsoft.com/office/powerpoint/2010/main" val="1527191951"/>
+        <p14:creationId xmlns:p14="http://schemas.microsoft.com/office/powerpoint/2010/main" val="2343472568"/>
       </p:ext>
     </p:extLst>
   </p:cSld>
@@ -689,7 +696,7 @@
     </p:spTree>
     <p:extLst>
       <p:ext uri="{BB962C8B-B14F-4D97-AF65-F5344CB8AC3E}">
-        <p14:creationId xmlns:p14="http://schemas.microsoft.com/office/powerpoint/2010/main" val="1135582863"/>
+        <p14:creationId xmlns:p14="http://schemas.microsoft.com/office/powerpoint/2010/main" val="2869059638"/>
       </p:ext>
     </p:extLst>
   </p:cSld>
@@ -859,7 +866,7 @@
     </p:spTree>
     <p:extLst>
       <p:ext uri="{BB962C8B-B14F-4D97-AF65-F5344CB8AC3E}">
-        <p14:creationId xmlns:p14="http://schemas.microsoft.com/office/powerpoint/2010/main" val="3713663060"/>
+        <p14:creationId xmlns:p14="http://schemas.microsoft.com/office/powerpoint/2010/main" val="3285461333"/>
       </p:ext>
     </p:extLst>
   </p:cSld>
@@ -1105,7 +1112,7 @@
     </p:spTree>
     <p:extLst>
       <p:ext uri="{BB962C8B-B14F-4D97-AF65-F5344CB8AC3E}">
-        <p14:creationId xmlns:p14="http://schemas.microsoft.com/office/powerpoint/2010/main" val="2342190404"/>
+        <p14:creationId xmlns:p14="http://schemas.microsoft.com/office/powerpoint/2010/main" val="2824966407"/>
       </p:ext>
     </p:extLst>
   </p:cSld>
@@ -1393,7 +1400,7 @@
     </p:spTree>
     <p:extLst>
       <p:ext uri="{BB962C8B-B14F-4D97-AF65-F5344CB8AC3E}">
-        <p14:creationId xmlns:p14="http://schemas.microsoft.com/office/powerpoint/2010/main" val="157989855"/>
+        <p14:creationId xmlns:p14="http://schemas.microsoft.com/office/powerpoint/2010/main" val="854763786"/>
       </p:ext>
     </p:extLst>
   </p:cSld>
@@ -1815,7 +1822,7 @@
     </p:spTree>
     <p:extLst>
       <p:ext uri="{BB962C8B-B14F-4D97-AF65-F5344CB8AC3E}">
-        <p14:creationId xmlns:p14="http://schemas.microsoft.com/office/powerpoint/2010/main" val="2302706997"/>
+        <p14:creationId xmlns:p14="http://schemas.microsoft.com/office/powerpoint/2010/main" val="2196217979"/>
       </p:ext>
     </p:extLst>
   </p:cSld>
@@ -1933,7 +1940,7 @@
     </p:spTree>
     <p:extLst>
       <p:ext uri="{BB962C8B-B14F-4D97-AF65-F5344CB8AC3E}">
-        <p14:creationId xmlns:p14="http://schemas.microsoft.com/office/powerpoint/2010/main" val="2381747814"/>
+        <p14:creationId xmlns:p14="http://schemas.microsoft.com/office/powerpoint/2010/main" val="830198662"/>
       </p:ext>
     </p:extLst>
   </p:cSld>
@@ -2028,7 +2035,7 @@
     </p:spTree>
     <p:extLst>
       <p:ext uri="{BB962C8B-B14F-4D97-AF65-F5344CB8AC3E}">
-        <p14:creationId xmlns:p14="http://schemas.microsoft.com/office/powerpoint/2010/main" val="1971626147"/>
+        <p14:creationId xmlns:p14="http://schemas.microsoft.com/office/powerpoint/2010/main" val="2362055156"/>
       </p:ext>
     </p:extLst>
   </p:cSld>
@@ -2305,7 +2312,7 @@
     </p:spTree>
     <p:extLst>
       <p:ext uri="{BB962C8B-B14F-4D97-AF65-F5344CB8AC3E}">
-        <p14:creationId xmlns:p14="http://schemas.microsoft.com/office/powerpoint/2010/main" val="2080166556"/>
+        <p14:creationId xmlns:p14="http://schemas.microsoft.com/office/powerpoint/2010/main" val="2807505439"/>
       </p:ext>
     </p:extLst>
   </p:cSld>
@@ -2558,7 +2565,7 @@
     </p:spTree>
     <p:extLst>
       <p:ext uri="{BB962C8B-B14F-4D97-AF65-F5344CB8AC3E}">
-        <p14:creationId xmlns:p14="http://schemas.microsoft.com/office/powerpoint/2010/main" val="1592168550"/>
+        <p14:creationId xmlns:p14="http://schemas.microsoft.com/office/powerpoint/2010/main" val="753671396"/>
       </p:ext>
     </p:extLst>
   </p:cSld>
@@ -2807,23 +2814,23 @@
     </p:spTree>
     <p:extLst>
       <p:ext uri="{BB962C8B-B14F-4D97-AF65-F5344CB8AC3E}">
-        <p14:creationId xmlns:p14="http://schemas.microsoft.com/office/powerpoint/2010/main" val="3560786313"/>
+        <p14:creationId xmlns:p14="http://schemas.microsoft.com/office/powerpoint/2010/main" val="2745564198"/>
       </p:ext>
     </p:extLst>
   </p:cSld>
   <p:clrMap bg1="lt1" tx1="dk1" bg2="lt2" tx2="dk2" accent1="accent1" accent2="accent2" accent3="accent3" accent4="accent4" accent5="accent5" accent6="accent6" hlink="hlink" folHlink="folHlink"/>
   <p:sldLayoutIdLst>
-    <p:sldLayoutId id="2147483649" r:id="rId1"/>
-    <p:sldLayoutId id="2147483650" r:id="rId2"/>
-    <p:sldLayoutId id="2147483651" r:id="rId3"/>
-    <p:sldLayoutId id="2147483652" r:id="rId4"/>
-    <p:sldLayoutId id="2147483653" r:id="rId5"/>
-    <p:sldLayoutId id="2147483654" r:id="rId6"/>
-    <p:sldLayoutId id="2147483655" r:id="rId7"/>
-    <p:sldLayoutId id="2147483656" r:id="rId8"/>
-    <p:sldLayoutId id="2147483657" r:id="rId9"/>
-    <p:sldLayoutId id="2147483658" r:id="rId10"/>
-    <p:sldLayoutId id="2147483659" r:id="rId11"/>
+    <p:sldLayoutId id="2147483691" r:id="rId1"/>
+    <p:sldLayoutId id="2147483692" r:id="rId2"/>
+    <p:sldLayoutId id="2147483693" r:id="rId3"/>
+    <p:sldLayoutId id="2147483694" r:id="rId4"/>
+    <p:sldLayoutId id="2147483695" r:id="rId5"/>
+    <p:sldLayoutId id="2147483696" r:id="rId6"/>
+    <p:sldLayoutId id="2147483697" r:id="rId7"/>
+    <p:sldLayoutId id="2147483698" r:id="rId8"/>
+    <p:sldLayoutId id="2147483699" r:id="rId9"/>
+    <p:sldLayoutId id="2147483700" r:id="rId10"/>
+    <p:sldLayoutId id="2147483701" r:id="rId11"/>
   </p:sldLayoutIdLst>
   <p:txStyles>
     <p:titleStyle>
@@ -3133,7 +3140,27 @@
           <a:bodyPr/>
           <a:lstStyle/>
           <a:p>
-            <a:endParaRPr lang="en-US"/>
+            <a:r>
+              <a:rPr lang="en-US" dirty="0" smtClean="0"/>
+              <a:t>By: Max Diamon</a:t>
+            </a:r>
+            <a:r>
+              <a:rPr lang="en-US" dirty="0" smtClean="0"/>
+              <a:t>d, </a:t>
+            </a:r>
+            <a:r>
+              <a:rPr lang="en-US" dirty="0" err="1" smtClean="0"/>
+              <a:t>Yash</a:t>
+            </a:r>
+            <a:r>
+              <a:rPr lang="en-US" dirty="0" smtClean="0"/>
+              <a:t> Sharma,</a:t>
+            </a:r>
+            <a:r>
+              <a:rPr lang="en-US" dirty="0" smtClean="0"/>
+              <a:t> Kevin Sheng, and Armaan Thapar</a:t>
+            </a:r>
+            <a:endParaRPr lang="en-US" dirty="0"/>
           </a:p>
         </p:txBody>
       </p:sp>
@@ -3141,6 +3168,498 @@
     <p:extLst>
       <p:ext uri="{BB962C8B-B14F-4D97-AF65-F5344CB8AC3E}">
         <p14:creationId xmlns:p14="http://schemas.microsoft.com/office/powerpoint/2010/main" val="2736239302"/>
+      </p:ext>
+    </p:extLst>
+  </p:cSld>
+  <p:clrMapOvr>
+    <a:masterClrMapping/>
+  </p:clrMapOvr>
+</p:sld>
+</file>
+
+<file path=ppt/slides/slide2.xml><?xml version="1.0" encoding="utf-8"?>
+<p:sld xmlns:a="http://schemas.openxmlformats.org/drawingml/2006/main" xmlns:r="http://schemas.openxmlformats.org/officeDocument/2006/relationships" xmlns:p="http://schemas.openxmlformats.org/presentationml/2006/main">
+  <p:cSld>
+    <p:spTree>
+      <p:nvGrpSpPr>
+        <p:cNvPr id="1" name=""/>
+        <p:cNvGrpSpPr/>
+        <p:nvPr/>
+      </p:nvGrpSpPr>
+      <p:grpSpPr>
+        <a:xfrm>
+          <a:off x="0" y="0"/>
+          <a:ext cx="0" cy="0"/>
+          <a:chOff x="0" y="0"/>
+          <a:chExt cx="0" cy="0"/>
+        </a:xfrm>
+      </p:grpSpPr>
+      <p:sp>
+        <p:nvSpPr>
+          <p:cNvPr id="2" name="Title 1"/>
+          <p:cNvSpPr>
+            <a:spLocks noGrp="1"/>
+          </p:cNvSpPr>
+          <p:nvPr>
+            <p:ph type="title"/>
+          </p:nvPr>
+        </p:nvSpPr>
+        <p:spPr/>
+        <p:txBody>
+          <a:bodyPr/>
+          <a:lstStyle/>
+          <a:p>
+            <a:r>
+              <a:rPr lang="en-US" dirty="0" smtClean="0"/>
+              <a:t>Our Goal</a:t>
+            </a:r>
+            <a:endParaRPr lang="en-US" dirty="0"/>
+          </a:p>
+        </p:txBody>
+      </p:sp>
+      <p:sp>
+        <p:nvSpPr>
+          <p:cNvPr id="3" name="Content Placeholder 2"/>
+          <p:cNvSpPr>
+            <a:spLocks noGrp="1"/>
+          </p:cNvSpPr>
+          <p:nvPr>
+            <p:ph idx="1"/>
+          </p:nvPr>
+        </p:nvSpPr>
+        <p:spPr/>
+        <p:txBody>
+          <a:bodyPr/>
+          <a:lstStyle/>
+          <a:p>
+            <a:endParaRPr lang="en-US"/>
+          </a:p>
+        </p:txBody>
+      </p:sp>
+    </p:spTree>
+    <p:extLst>
+      <p:ext uri="{BB962C8B-B14F-4D97-AF65-F5344CB8AC3E}">
+        <p14:creationId xmlns:p14="http://schemas.microsoft.com/office/powerpoint/2010/main" val="2052812103"/>
+      </p:ext>
+    </p:extLst>
+  </p:cSld>
+  <p:clrMapOvr>
+    <a:masterClrMapping/>
+  </p:clrMapOvr>
+</p:sld>
+</file>
+
+<file path=ppt/slides/slide3.xml><?xml version="1.0" encoding="utf-8"?>
+<p:sld xmlns:a="http://schemas.openxmlformats.org/drawingml/2006/main" xmlns:r="http://schemas.openxmlformats.org/officeDocument/2006/relationships" xmlns:p="http://schemas.openxmlformats.org/presentationml/2006/main">
+  <p:cSld>
+    <p:spTree>
+      <p:nvGrpSpPr>
+        <p:cNvPr id="1" name=""/>
+        <p:cNvGrpSpPr/>
+        <p:nvPr/>
+      </p:nvGrpSpPr>
+      <p:grpSpPr>
+        <a:xfrm>
+          <a:off x="0" y="0"/>
+          <a:ext cx="0" cy="0"/>
+          <a:chOff x="0" y="0"/>
+          <a:chExt cx="0" cy="0"/>
+        </a:xfrm>
+      </p:grpSpPr>
+      <p:sp>
+        <p:nvSpPr>
+          <p:cNvPr id="2" name="Title 1"/>
+          <p:cNvSpPr>
+            <a:spLocks noGrp="1"/>
+          </p:cNvSpPr>
+          <p:nvPr>
+            <p:ph type="title"/>
+          </p:nvPr>
+        </p:nvSpPr>
+        <p:spPr/>
+        <p:txBody>
+          <a:bodyPr/>
+          <a:lstStyle/>
+          <a:p>
+            <a:r>
+              <a:rPr lang="en-US" dirty="0" smtClean="0"/>
+              <a:t>The </a:t>
+            </a:r>
+            <a:r>
+              <a:rPr lang="en-US" dirty="0" err="1" smtClean="0"/>
+              <a:t>Sparkcore</a:t>
+            </a:r>
+            <a:endParaRPr lang="en-US" dirty="0"/>
+          </a:p>
+        </p:txBody>
+      </p:sp>
+      <p:sp>
+        <p:nvSpPr>
+          <p:cNvPr id="3" name="Content Placeholder 2"/>
+          <p:cNvSpPr>
+            <a:spLocks noGrp="1"/>
+          </p:cNvSpPr>
+          <p:nvPr>
+            <p:ph idx="1"/>
+          </p:nvPr>
+        </p:nvSpPr>
+        <p:spPr/>
+        <p:txBody>
+          <a:bodyPr/>
+          <a:lstStyle/>
+          <a:p>
+            <a:endParaRPr lang="en-US"/>
+          </a:p>
+        </p:txBody>
+      </p:sp>
+    </p:spTree>
+    <p:extLst>
+      <p:ext uri="{BB962C8B-B14F-4D97-AF65-F5344CB8AC3E}">
+        <p14:creationId xmlns:p14="http://schemas.microsoft.com/office/powerpoint/2010/main" val="1298838180"/>
+      </p:ext>
+    </p:extLst>
+  </p:cSld>
+  <p:clrMapOvr>
+    <a:masterClrMapping/>
+  </p:clrMapOvr>
+</p:sld>
+</file>
+
+<file path=ppt/slides/slide4.xml><?xml version="1.0" encoding="utf-8"?>
+<p:sld xmlns:a="http://schemas.openxmlformats.org/drawingml/2006/main" xmlns:r="http://schemas.openxmlformats.org/officeDocument/2006/relationships" xmlns:p="http://schemas.openxmlformats.org/presentationml/2006/main">
+  <p:cSld>
+    <p:spTree>
+      <p:nvGrpSpPr>
+        <p:cNvPr id="1" name=""/>
+        <p:cNvGrpSpPr/>
+        <p:nvPr/>
+      </p:nvGrpSpPr>
+      <p:grpSpPr>
+        <a:xfrm>
+          <a:off x="0" y="0"/>
+          <a:ext cx="0" cy="0"/>
+          <a:chOff x="0" y="0"/>
+          <a:chExt cx="0" cy="0"/>
+        </a:xfrm>
+      </p:grpSpPr>
+      <p:sp>
+        <p:nvSpPr>
+          <p:cNvPr id="2" name="Title 1"/>
+          <p:cNvSpPr>
+            <a:spLocks noGrp="1"/>
+          </p:cNvSpPr>
+          <p:nvPr>
+            <p:ph type="title"/>
+          </p:nvPr>
+        </p:nvSpPr>
+        <p:spPr/>
+        <p:txBody>
+          <a:bodyPr/>
+          <a:lstStyle/>
+          <a:p>
+            <a:r>
+              <a:rPr lang="en-US" dirty="0" smtClean="0"/>
+              <a:t>Marketing</a:t>
+            </a:r>
+            <a:endParaRPr lang="en-US" dirty="0"/>
+          </a:p>
+        </p:txBody>
+      </p:sp>
+      <p:sp>
+        <p:nvSpPr>
+          <p:cNvPr id="3" name="Content Placeholder 2"/>
+          <p:cNvSpPr>
+            <a:spLocks noGrp="1"/>
+          </p:cNvSpPr>
+          <p:nvPr>
+            <p:ph idx="1"/>
+          </p:nvPr>
+        </p:nvSpPr>
+        <p:spPr/>
+        <p:txBody>
+          <a:bodyPr/>
+          <a:lstStyle/>
+          <a:p>
+            <a:endParaRPr lang="en-US"/>
+          </a:p>
+        </p:txBody>
+      </p:sp>
+    </p:spTree>
+    <p:extLst>
+      <p:ext uri="{BB962C8B-B14F-4D97-AF65-F5344CB8AC3E}">
+        <p14:creationId xmlns:p14="http://schemas.microsoft.com/office/powerpoint/2010/main" val="466352871"/>
+      </p:ext>
+    </p:extLst>
+  </p:cSld>
+  <p:clrMapOvr>
+    <a:masterClrMapping/>
+  </p:clrMapOvr>
+</p:sld>
+</file>
+
+<file path=ppt/slides/slide5.xml><?xml version="1.0" encoding="utf-8"?>
+<p:sld xmlns:a="http://schemas.openxmlformats.org/drawingml/2006/main" xmlns:r="http://schemas.openxmlformats.org/officeDocument/2006/relationships" xmlns:p="http://schemas.openxmlformats.org/presentationml/2006/main">
+  <p:cSld>
+    <p:spTree>
+      <p:nvGrpSpPr>
+        <p:cNvPr id="1" name=""/>
+        <p:cNvGrpSpPr/>
+        <p:nvPr/>
+      </p:nvGrpSpPr>
+      <p:grpSpPr>
+        <a:xfrm>
+          <a:off x="0" y="0"/>
+          <a:ext cx="0" cy="0"/>
+          <a:chOff x="0" y="0"/>
+          <a:chExt cx="0" cy="0"/>
+        </a:xfrm>
+      </p:grpSpPr>
+      <p:sp>
+        <p:nvSpPr>
+          <p:cNvPr id="2" name="Title 1"/>
+          <p:cNvSpPr>
+            <a:spLocks noGrp="1"/>
+          </p:cNvSpPr>
+          <p:nvPr>
+            <p:ph type="title"/>
+          </p:nvPr>
+        </p:nvSpPr>
+        <p:spPr/>
+        <p:txBody>
+          <a:bodyPr/>
+          <a:lstStyle/>
+          <a:p>
+            <a:endParaRPr lang="en-US"/>
+          </a:p>
+        </p:txBody>
+      </p:sp>
+      <p:sp>
+        <p:nvSpPr>
+          <p:cNvPr id="3" name="Content Placeholder 2"/>
+          <p:cNvSpPr>
+            <a:spLocks noGrp="1"/>
+          </p:cNvSpPr>
+          <p:nvPr>
+            <p:ph idx="1"/>
+          </p:nvPr>
+        </p:nvSpPr>
+        <p:spPr/>
+        <p:txBody>
+          <a:bodyPr/>
+          <a:lstStyle/>
+          <a:p>
+            <a:endParaRPr lang="en-US"/>
+          </a:p>
+        </p:txBody>
+      </p:sp>
+    </p:spTree>
+    <p:extLst>
+      <p:ext uri="{BB962C8B-B14F-4D97-AF65-F5344CB8AC3E}">
+        <p14:creationId xmlns:p14="http://schemas.microsoft.com/office/powerpoint/2010/main" val="666578523"/>
+      </p:ext>
+    </p:extLst>
+  </p:cSld>
+  <p:clrMapOvr>
+    <a:masterClrMapping/>
+  </p:clrMapOvr>
+</p:sld>
+</file>
+
+<file path=ppt/slides/slide6.xml><?xml version="1.0" encoding="utf-8"?>
+<p:sld xmlns:a="http://schemas.openxmlformats.org/drawingml/2006/main" xmlns:r="http://schemas.openxmlformats.org/officeDocument/2006/relationships" xmlns:p="http://schemas.openxmlformats.org/presentationml/2006/main">
+  <p:cSld>
+    <p:spTree>
+      <p:nvGrpSpPr>
+        <p:cNvPr id="1" name=""/>
+        <p:cNvGrpSpPr/>
+        <p:nvPr/>
+      </p:nvGrpSpPr>
+      <p:grpSpPr>
+        <a:xfrm>
+          <a:off x="0" y="0"/>
+          <a:ext cx="0" cy="0"/>
+          <a:chOff x="0" y="0"/>
+          <a:chExt cx="0" cy="0"/>
+        </a:xfrm>
+      </p:grpSpPr>
+      <p:sp>
+        <p:nvSpPr>
+          <p:cNvPr id="2" name="Title 1"/>
+          <p:cNvSpPr>
+            <a:spLocks noGrp="1"/>
+          </p:cNvSpPr>
+          <p:nvPr>
+            <p:ph type="title"/>
+          </p:nvPr>
+        </p:nvSpPr>
+        <p:spPr/>
+        <p:txBody>
+          <a:bodyPr/>
+          <a:lstStyle/>
+          <a:p>
+            <a:endParaRPr lang="en-US"/>
+          </a:p>
+        </p:txBody>
+      </p:sp>
+      <p:sp>
+        <p:nvSpPr>
+          <p:cNvPr id="3" name="Content Placeholder 2"/>
+          <p:cNvSpPr>
+            <a:spLocks noGrp="1"/>
+          </p:cNvSpPr>
+          <p:nvPr>
+            <p:ph idx="1"/>
+          </p:nvPr>
+        </p:nvSpPr>
+        <p:spPr/>
+        <p:txBody>
+          <a:bodyPr/>
+          <a:lstStyle/>
+          <a:p>
+            <a:endParaRPr lang="en-US"/>
+          </a:p>
+        </p:txBody>
+      </p:sp>
+    </p:spTree>
+    <p:extLst>
+      <p:ext uri="{BB962C8B-B14F-4D97-AF65-F5344CB8AC3E}">
+        <p14:creationId xmlns:p14="http://schemas.microsoft.com/office/powerpoint/2010/main" val="2675432630"/>
+      </p:ext>
+    </p:extLst>
+  </p:cSld>
+  <p:clrMapOvr>
+    <a:masterClrMapping/>
+  </p:clrMapOvr>
+</p:sld>
+</file>
+
+<file path=ppt/slides/slide7.xml><?xml version="1.0" encoding="utf-8"?>
+<p:sld xmlns:a="http://schemas.openxmlformats.org/drawingml/2006/main" xmlns:r="http://schemas.openxmlformats.org/officeDocument/2006/relationships" xmlns:p="http://schemas.openxmlformats.org/presentationml/2006/main">
+  <p:cSld>
+    <p:spTree>
+      <p:nvGrpSpPr>
+        <p:cNvPr id="1" name=""/>
+        <p:cNvGrpSpPr/>
+        <p:nvPr/>
+      </p:nvGrpSpPr>
+      <p:grpSpPr>
+        <a:xfrm>
+          <a:off x="0" y="0"/>
+          <a:ext cx="0" cy="0"/>
+          <a:chOff x="0" y="0"/>
+          <a:chExt cx="0" cy="0"/>
+        </a:xfrm>
+      </p:grpSpPr>
+      <p:sp>
+        <p:nvSpPr>
+          <p:cNvPr id="2" name="Title 1"/>
+          <p:cNvSpPr>
+            <a:spLocks noGrp="1"/>
+          </p:cNvSpPr>
+          <p:nvPr>
+            <p:ph type="title"/>
+          </p:nvPr>
+        </p:nvSpPr>
+        <p:spPr/>
+        <p:txBody>
+          <a:bodyPr/>
+          <a:lstStyle/>
+          <a:p>
+            <a:endParaRPr lang="en-US"/>
+          </a:p>
+        </p:txBody>
+      </p:sp>
+      <p:sp>
+        <p:nvSpPr>
+          <p:cNvPr id="3" name="Content Placeholder 2"/>
+          <p:cNvSpPr>
+            <a:spLocks noGrp="1"/>
+          </p:cNvSpPr>
+          <p:nvPr>
+            <p:ph idx="1"/>
+          </p:nvPr>
+        </p:nvSpPr>
+        <p:spPr/>
+        <p:txBody>
+          <a:bodyPr/>
+          <a:lstStyle/>
+          <a:p>
+            <a:endParaRPr lang="en-US"/>
+          </a:p>
+        </p:txBody>
+      </p:sp>
+    </p:spTree>
+    <p:extLst>
+      <p:ext uri="{BB962C8B-B14F-4D97-AF65-F5344CB8AC3E}">
+        <p14:creationId xmlns:p14="http://schemas.microsoft.com/office/powerpoint/2010/main" val="273081039"/>
+      </p:ext>
+    </p:extLst>
+  </p:cSld>
+  <p:clrMapOvr>
+    <a:masterClrMapping/>
+  </p:clrMapOvr>
+</p:sld>
+</file>
+
+<file path=ppt/slides/slide8.xml><?xml version="1.0" encoding="utf-8"?>
+<p:sld xmlns:a="http://schemas.openxmlformats.org/drawingml/2006/main" xmlns:r="http://schemas.openxmlformats.org/officeDocument/2006/relationships" xmlns:p="http://schemas.openxmlformats.org/presentationml/2006/main">
+  <p:cSld>
+    <p:spTree>
+      <p:nvGrpSpPr>
+        <p:cNvPr id="1" name=""/>
+        <p:cNvGrpSpPr/>
+        <p:nvPr/>
+      </p:nvGrpSpPr>
+      <p:grpSpPr>
+        <a:xfrm>
+          <a:off x="0" y="0"/>
+          <a:ext cx="0" cy="0"/>
+          <a:chOff x="0" y="0"/>
+          <a:chExt cx="0" cy="0"/>
+        </a:xfrm>
+      </p:grpSpPr>
+      <p:sp>
+        <p:nvSpPr>
+          <p:cNvPr id="2" name="Title 1"/>
+          <p:cNvSpPr>
+            <a:spLocks noGrp="1"/>
+          </p:cNvSpPr>
+          <p:nvPr>
+            <p:ph type="title"/>
+          </p:nvPr>
+        </p:nvSpPr>
+        <p:spPr/>
+        <p:txBody>
+          <a:bodyPr/>
+          <a:lstStyle/>
+          <a:p>
+            <a:endParaRPr lang="en-US"/>
+          </a:p>
+        </p:txBody>
+      </p:sp>
+      <p:sp>
+        <p:nvSpPr>
+          <p:cNvPr id="3" name="Content Placeholder 2"/>
+          <p:cNvSpPr>
+            <a:spLocks noGrp="1"/>
+          </p:cNvSpPr>
+          <p:nvPr>
+            <p:ph idx="1"/>
+          </p:nvPr>
+        </p:nvSpPr>
+        <p:spPr/>
+        <p:txBody>
+          <a:bodyPr/>
+          <a:lstStyle/>
+          <a:p>
+            <a:endParaRPr lang="en-US"/>
+          </a:p>
+        </p:txBody>
+      </p:sp>
+    </p:spTree>
+    <p:extLst>
+      <p:ext uri="{BB962C8B-B14F-4D97-AF65-F5344CB8AC3E}">
+        <p14:creationId xmlns:p14="http://schemas.microsoft.com/office/powerpoint/2010/main" val="293548378"/>
       </p:ext>
     </p:extLst>
   </p:cSld>
